--- a/Week09/Collections.pptx
+++ b/Week09/Collections.pptx
@@ -223,7 +223,7 @@
           <a:p>
             <a:fld id="{C6F729B2-88F7-4E6F-824D-2DF0F48F5690}" type="datetimeFigureOut">
               <a:rPr lang="en-US" smtClean="0"/>
-              <a:t>4/5/2019</a:t>
+              <a:t>4/9/2019</a:t>
             </a:fld>
             <a:endParaRPr lang="en-US"/>
           </a:p>
@@ -388,7 +388,7 @@
           <a:p>
             <a:fld id="{44CE7EC2-7BCB-42F7-BBE2-6EF58549A0DA}" type="datetimeFigureOut">
               <a:rPr lang="en-US" smtClean="0"/>
-              <a:t>4/5/2019</a:t>
+              <a:t>4/9/2019</a:t>
             </a:fld>
             <a:endParaRPr lang="en-US"/>
           </a:p>
@@ -11023,6 +11023,13 @@
   <p:clrMapOvr>
     <a:masterClrMapping/>
   </p:clrMapOvr>
+  <p:timing>
+    <p:tnLst>
+      <p:par>
+        <p:cTn id="1" dur="indefinite" restart="never" nodeType="tmRoot"/>
+      </p:par>
+    </p:tnLst>
+  </p:timing>
 </p:sld>
 </file>
 
@@ -11536,6 +11543,13 @@
   <p:clrMapOvr>
     <a:masterClrMapping/>
   </p:clrMapOvr>
+  <p:timing>
+    <p:tnLst>
+      <p:par>
+        <p:cTn id="1" dur="indefinite" restart="never" nodeType="tmRoot"/>
+      </p:par>
+    </p:tnLst>
+  </p:timing>
 </p:sld>
 </file>
 
@@ -11807,6 +11821,13 @@
       <p:transition spd="slow"/>
     </mc:Fallback>
   </mc:AlternateContent>
+  <p:timing>
+    <p:tnLst>
+      <p:par>
+        <p:cTn id="1" dur="indefinite" restart="never" nodeType="tmRoot"/>
+      </p:par>
+    </p:tnLst>
+  </p:timing>
 </p:sld>
 </file>
 
@@ -11901,11 +11922,7 @@
           <a:p>
             <a:r>
               <a:rPr lang="en-US" dirty="0" smtClean="0"/>
-              <a:t>Access can be done by index, starting at </a:t>
-            </a:r>
-            <a:r>
-              <a:rPr lang="en-US" dirty="0" smtClean="0"/>
-              <a:t>0</a:t>
+              <a:t>Access can be done by index, starting at 0</a:t>
             </a:r>
           </a:p>
           <a:p>
@@ -11968,6 +11985,13 @@
   <p:clrMapOvr>
     <a:masterClrMapping/>
   </p:clrMapOvr>
+  <p:timing>
+    <p:tnLst>
+      <p:par>
+        <p:cTn id="1" dur="indefinite" restart="never" nodeType="tmRoot"/>
+      </p:par>
+    </p:tnLst>
+  </p:timing>
 </p:sld>
 </file>
 
@@ -12434,7 +12458,25 @@
                 </a:solidFill>
                 <a:latin typeface="+mj-lt"/>
               </a:rPr>
-              <a:t>List of 7 </a:t>
+              <a:t>List </a:t>
+            </a:r>
+            <a:r>
+              <a:rPr lang="en-US" sz="1800" i="1" smtClean="0">
+                <a:solidFill>
+                  <a:srgbClr val="000000"/>
+                </a:solidFill>
+                <a:latin typeface="+mj-lt"/>
+              </a:rPr>
+              <a:t>of </a:t>
+            </a:r>
+            <a:r>
+              <a:rPr lang="en-US" sz="1800" i="1" smtClean="0">
+                <a:solidFill>
+                  <a:srgbClr val="000000"/>
+                </a:solidFill>
+                <a:latin typeface="+mj-lt"/>
+              </a:rPr>
+              <a:t>3 </a:t>
             </a:r>
             <a:r>
               <a:rPr lang="en-US" sz="1800" i="1" dirty="0" smtClean="0">
@@ -12479,6 +12521,13 @@
   <p:clrMapOvr>
     <a:masterClrMapping/>
   </p:clrMapOvr>
+  <p:timing>
+    <p:tnLst>
+      <p:par>
+        <p:cTn id="1" dur="indefinite" restart="never" nodeType="tmRoot"/>
+      </p:par>
+    </p:tnLst>
+  </p:timing>
 </p:sld>
 </file>
 
@@ -12917,6 +12966,13 @@
   <p:clrMapOvr>
     <a:masterClrMapping/>
   </p:clrMapOvr>
+  <p:timing>
+    <p:tnLst>
+      <p:par>
+        <p:cTn id="1" dur="indefinite" restart="never" nodeType="tmRoot"/>
+      </p:par>
+    </p:tnLst>
+  </p:timing>
 </p:sld>
 </file>
 
